--- a/Dashboard Blueprint.pptx
+++ b/Dashboard Blueprint.pptx
@@ -9633,7 +9633,7 @@
             </a:pPr>
             <a:r>
               <a:rPr lang="en"/>
-              <a:t>A bar chart visualization to find outliers in the data for a more accurate training and testing sample</a:t>
+              <a:t>A box plot chart visualization to better show outliers in the data for a more accurate training and testing sample</a:t>
             </a:r>
             <a:endParaRPr/>
           </a:p>
@@ -9649,7 +9649,67 @@
               <a:buChar char="●"/>
             </a:pPr>
             <a:r>
-              <a:t/>
+              <a:rPr lang="en"/>
+              <a:t>A box plot showing the correlation between each feature of a car (cylinder amount, transmission type, car type etc.</a:t>
+            </a:r>
+            <a:endParaRPr/>
+          </a:p>
+          <a:p>
+            <a:pPr indent="-311150" lvl="0" marL="457200" rtl="0" algn="l">
+              <a:spcBef>
+                <a:spcPts val="0"/>
+              </a:spcBef>
+              <a:spcAft>
+                <a:spcPts val="0"/>
+              </a:spcAft>
+              <a:buSzPts val="1300"/>
+              <a:buChar char="●"/>
+            </a:pPr>
+            <a:r>
+              <a:rPr lang="en"/>
+              <a:t>Line chart displaying the most </a:t>
+            </a:r>
+            <a:r>
+              <a:rPr lang="en"/>
+              <a:t>noticeable</a:t>
+            </a:r>
+            <a:r>
+              <a:rPr lang="en"/>
+              <a:t> outliers with oregon being the most pronounced</a:t>
+            </a:r>
+            <a:endParaRPr/>
+          </a:p>
+          <a:p>
+            <a:pPr indent="-311150" lvl="0" marL="457200" rtl="0" algn="l">
+              <a:spcBef>
+                <a:spcPts val="0"/>
+              </a:spcBef>
+              <a:spcAft>
+                <a:spcPts val="0"/>
+              </a:spcAft>
+              <a:buSzPts val="1300"/>
+              <a:buChar char="●"/>
+            </a:pPr>
+            <a:r>
+              <a:rPr lang="en"/>
+              <a:t>A bar chart to show the relationship between various data points (fuel consumption, odometer etc.) vs. car price.</a:t>
+            </a:r>
+            <a:endParaRPr/>
+          </a:p>
+          <a:p>
+            <a:pPr indent="-311150" lvl="0" marL="457200" rtl="0" algn="l">
+              <a:spcBef>
+                <a:spcPts val="0"/>
+              </a:spcBef>
+              <a:spcAft>
+                <a:spcPts val="0"/>
+              </a:spcAft>
+              <a:buSzPts val="1300"/>
+              <a:buChar char="●"/>
+            </a:pPr>
+            <a:r>
+              <a:rPr lang="en"/>
+              <a:t>Bubble chart for regional differences in price vs. car featured from the previous bar chart data using cities.</a:t>
             </a:r>
             <a:endParaRPr/>
           </a:p>
@@ -9965,7 +10025,17 @@
               <a:buNone/>
             </a:pPr>
             <a:r>
-              <a:t/>
+              <a:rPr lang="en"/>
+              <a:t> Link to Interactive Dashboard:                                         </a:t>
+            </a:r>
+            <a:r>
+              <a:rPr lang="en" u="sng">
+                <a:solidFill>
+                  <a:schemeClr val="hlink"/>
+                </a:solidFill>
+                <a:hlinkClick r:id="rId3"/>
+              </a:rPr>
+              <a:t>https://public.tableau.com/app/profile/samantha.j.lemley/viz/Trial_16675235483750/Sheet1#1</a:t>
             </a:r>
             <a:endParaRPr/>
           </a:p>

--- a/Dashboard Blueprint.pptx
+++ b/Dashboard Blueprint.pptx
@@ -9341,7 +9341,7 @@
         </p:spPr>
         <p:txBody>
           <a:bodyPr anchorCtr="0" anchor="t" bIns="91425" lIns="91425" spcFirstLastPara="1" rIns="91425" wrap="square" tIns="91425">
-            <a:normAutofit/>
+            <a:normAutofit fontScale="85000"/>
           </a:bodyPr>
           <a:lstStyle/>
           <a:p>
@@ -9355,7 +9355,8 @@
               <a:buNone/>
             </a:pPr>
             <a:r>
-              <a:t/>
+              <a:rPr lang="en"/>
+              <a:t>Samantha Lemley, Matthew Leiser, Ryoichi Nakayama, Shahla Ahmed</a:t>
             </a:r>
             <a:endParaRPr/>
           </a:p>

--- a/Dashboard Blueprint.pptx
+++ b/Dashboard Blueprint.pptx
@@ -10021,13 +10021,13 @@
                 <a:spcPts val="0"/>
               </a:spcBef>
               <a:spcAft>
-                <a:spcPts val="1200"/>
+                <a:spcPts val="0"/>
               </a:spcAft>
               <a:buNone/>
             </a:pPr>
             <a:r>
               <a:rPr lang="en"/>
-              <a:t> Link to Interactive Dashboard:                                         </a:t>
+              <a:t>Link to Interactive Dashboard:                                         </a:t>
             </a:r>
             <a:r>
               <a:rPr lang="en" u="sng">
@@ -10037,6 +10037,22 @@
                 <a:hlinkClick r:id="rId3"/>
               </a:rPr>
               <a:t>https://public.tableau.com/app/profile/samantha.j.lemley/viz/Trial_16675235483750/Sheet1#1</a:t>
+            </a:r>
+            <a:endParaRPr/>
+          </a:p>
+          <a:p>
+            <a:pPr indent="0" lvl="0" marL="0" rtl="0" algn="l">
+              <a:spcBef>
+                <a:spcPts val="1200"/>
+              </a:spcBef>
+              <a:spcAft>
+                <a:spcPts val="1200"/>
+              </a:spcAft>
+              <a:buNone/>
+            </a:pPr>
+            <a:r>
+              <a:rPr lang="en"/>
+              <a:t>Dashboard will have interactive elements in the future that will be expanded upon.</a:t>
             </a:r>
             <a:endParaRPr/>
           </a:p>
